--- a/Presentation.pptx
+++ b/Presentation.pptx
@@ -321,11 +321,11 @@
           <c:showBubbleSize val="0"/>
         </c:dLbls>
         <c:gapWidth val="150"/>
-        <c:axId val="26789376"/>
-        <c:axId val="26791296"/>
+        <c:axId val="26191360"/>
+        <c:axId val="26193280"/>
       </c:barChart>
       <c:catAx>
-        <c:axId val="26789376"/>
+        <c:axId val="26191360"/>
         <c:scaling>
           <c:orientation val="minMax"/>
         </c:scaling>
@@ -377,7 +377,7 @@
         <c:majorTickMark val="out"/>
         <c:minorTickMark val="none"/>
         <c:tickLblPos val="nextTo"/>
-        <c:crossAx val="26791296"/>
+        <c:crossAx val="26193280"/>
         <c:crosses val="autoZero"/>
         <c:auto val="1"/>
         <c:lblAlgn val="ctr"/>
@@ -385,7 +385,7 @@
         <c:noMultiLvlLbl val="0"/>
       </c:catAx>
       <c:valAx>
-        <c:axId val="26791296"/>
+        <c:axId val="26193280"/>
         <c:scaling>
           <c:orientation val="minMax"/>
           <c:max val="1"/>
@@ -398,7 +398,7 @@
         <c:majorTickMark val="out"/>
         <c:minorTickMark val="none"/>
         <c:tickLblPos val="nextTo"/>
-        <c:crossAx val="26789376"/>
+        <c:crossAx val="26191360"/>
         <c:crosses val="autoZero"/>
         <c:crossBetween val="between"/>
       </c:valAx>
@@ -12494,11 +12494,11 @@
         </c:dLbls>
         <c:marker val="1"/>
         <c:smooth val="0"/>
-        <c:axId val="27652096"/>
-        <c:axId val="27653632"/>
+        <c:axId val="26730496"/>
+        <c:axId val="26732032"/>
       </c:lineChart>
       <c:catAx>
-        <c:axId val="27652096"/>
+        <c:axId val="26730496"/>
         <c:scaling>
           <c:orientation val="minMax"/>
         </c:scaling>
@@ -12507,7 +12507,7 @@
         <c:majorTickMark val="out"/>
         <c:minorTickMark val="none"/>
         <c:tickLblPos val="nextTo"/>
-        <c:crossAx val="27653632"/>
+        <c:crossAx val="26732032"/>
         <c:crosses val="autoZero"/>
         <c:auto val="1"/>
         <c:lblAlgn val="ctr"/>
@@ -12515,7 +12515,7 @@
         <c:noMultiLvlLbl val="0"/>
       </c:catAx>
       <c:valAx>
-        <c:axId val="27653632"/>
+        <c:axId val="26732032"/>
         <c:scaling>
           <c:orientation val="minMax"/>
           <c:max val="0.75000000000000011"/>
@@ -12528,7 +12528,7 @@
         <c:majorTickMark val="out"/>
         <c:minorTickMark val="none"/>
         <c:tickLblPos val="nextTo"/>
-        <c:crossAx val="27652096"/>
+        <c:crossAx val="26730496"/>
         <c:crosses val="autoZero"/>
         <c:crossBetween val="between"/>
       </c:valAx>
@@ -13201,7 +13201,7 @@
           <a:p>
             <a:fld id="{E89645BB-E52A-4F5B-AC31-093E6C902A2B}" type="datetimeFigureOut">
               <a:rPr lang="en-US" smtClean="0"/>
-              <a:t>11/25/2014</a:t>
+              <a:t>11/26/2014</a:t>
             </a:fld>
             <a:endParaRPr lang="en-US"/>
           </a:p>
@@ -13384,7 +13384,7 @@
           <a:p>
             <a:fld id="{E89645BB-E52A-4F5B-AC31-093E6C902A2B}" type="datetimeFigureOut">
               <a:rPr lang="en-US" smtClean="0"/>
-              <a:t>11/25/2014</a:t>
+              <a:t>11/26/2014</a:t>
             </a:fld>
             <a:endParaRPr lang="en-US"/>
           </a:p>
@@ -13559,7 +13559,7 @@
           <a:p>
             <a:fld id="{E89645BB-E52A-4F5B-AC31-093E6C902A2B}" type="datetimeFigureOut">
               <a:rPr lang="en-US" smtClean="0"/>
-              <a:t>11/25/2014</a:t>
+              <a:t>11/26/2014</a:t>
             </a:fld>
             <a:endParaRPr lang="en-US"/>
           </a:p>
@@ -13724,7 +13724,7 @@
           <a:p>
             <a:fld id="{E89645BB-E52A-4F5B-AC31-093E6C902A2B}" type="datetimeFigureOut">
               <a:rPr lang="en-US" smtClean="0"/>
-              <a:t>11/25/2014</a:t>
+              <a:t>11/26/2014</a:t>
             </a:fld>
             <a:endParaRPr lang="en-US"/>
           </a:p>
@@ -13945,7 +13945,7 @@
           <a:p>
             <a:fld id="{E89645BB-E52A-4F5B-AC31-093E6C902A2B}" type="datetimeFigureOut">
               <a:rPr lang="en-US" smtClean="0"/>
-              <a:t>11/25/2014</a:t>
+              <a:t>11/26/2014</a:t>
             </a:fld>
             <a:endParaRPr lang="en-US"/>
           </a:p>
@@ -14204,7 +14204,7 @@
           <a:p>
             <a:fld id="{E89645BB-E52A-4F5B-AC31-093E6C902A2B}" type="datetimeFigureOut">
               <a:rPr lang="en-US" smtClean="0"/>
-              <a:t>11/25/2014</a:t>
+              <a:t>11/26/2014</a:t>
             </a:fld>
             <a:endParaRPr lang="en-US"/>
           </a:p>
@@ -14608,7 +14608,7 @@
           <a:p>
             <a:fld id="{E89645BB-E52A-4F5B-AC31-093E6C902A2B}" type="datetimeFigureOut">
               <a:rPr lang="en-US" smtClean="0"/>
-              <a:t>11/25/2014</a:t>
+              <a:t>11/26/2014</a:t>
             </a:fld>
             <a:endParaRPr lang="en-US"/>
           </a:p>
@@ -14739,7 +14739,7 @@
           <a:p>
             <a:fld id="{E89645BB-E52A-4F5B-AC31-093E6C902A2B}" type="datetimeFigureOut">
               <a:rPr lang="en-US" smtClean="0"/>
-              <a:t>11/25/2014</a:t>
+              <a:t>11/26/2014</a:t>
             </a:fld>
             <a:endParaRPr lang="en-US"/>
           </a:p>
@@ -14839,7 +14839,7 @@
           <a:p>
             <a:fld id="{E89645BB-E52A-4F5B-AC31-093E6C902A2B}" type="datetimeFigureOut">
               <a:rPr lang="en-US" smtClean="0"/>
-              <a:t>11/25/2014</a:t>
+              <a:t>11/26/2014</a:t>
             </a:fld>
             <a:endParaRPr lang="en-US"/>
           </a:p>
@@ -15084,7 +15084,7 @@
           <a:p>
             <a:fld id="{E89645BB-E52A-4F5B-AC31-093E6C902A2B}" type="datetimeFigureOut">
               <a:rPr lang="en-US" smtClean="0"/>
-              <a:t>11/25/2014</a:t>
+              <a:t>11/26/2014</a:t>
             </a:fld>
             <a:endParaRPr lang="en-US"/>
           </a:p>
@@ -15328,7 +15328,7 @@
           <a:p>
             <a:fld id="{E89645BB-E52A-4F5B-AC31-093E6C902A2B}" type="datetimeFigureOut">
               <a:rPr lang="en-US" smtClean="0"/>
-              <a:t>11/25/2014</a:t>
+              <a:t>11/26/2014</a:t>
             </a:fld>
             <a:endParaRPr lang="en-US"/>
           </a:p>
@@ -16152,7 +16152,7 @@
           <a:p>
             <a:fld id="{E89645BB-E52A-4F5B-AC31-093E6C902A2B}" type="datetimeFigureOut">
               <a:rPr lang="en-US" smtClean="0"/>
-              <a:t>11/25/2014</a:t>
+              <a:t>11/26/2014</a:t>
             </a:fld>
             <a:endParaRPr lang="en-US"/>
           </a:p>
@@ -16954,79 +16954,105 @@
         </p:nvSpPr>
         <p:spPr/>
         <p:txBody>
-          <a:bodyPr/>
+          <a:bodyPr>
+            <a:normAutofit/>
+          </a:bodyPr>
           <a:lstStyle/>
           <a:p>
             <a:r>
-              <a:rPr lang="en-US" dirty="0"/>
-              <a:t>Max Generation Run: </a:t>
+              <a:rPr lang="en-US" sz="2400" dirty="0" smtClean="0"/>
+              <a:t>Max </a:t>
             </a:r>
             <a:r>
-              <a:rPr lang="en-US" dirty="0" smtClean="0"/>
+              <a:rPr lang="en-US" sz="2400" dirty="0"/>
+              <a:t>Generation Run: </a:t>
+            </a:r>
+            <a:r>
+              <a:rPr lang="en-US" sz="2400" dirty="0" smtClean="0"/>
               <a:t>5,000</a:t>
             </a:r>
-            <a:endParaRPr lang="en-US" dirty="0"/>
+            <a:endParaRPr lang="en-US" sz="2400" dirty="0"/>
           </a:p>
           <a:p>
             <a:r>
-              <a:rPr lang="en-US" dirty="0"/>
+              <a:rPr lang="en-US" sz="2400" dirty="0"/>
               <a:t>Population size: </a:t>
             </a:r>
             <a:r>
-              <a:rPr lang="en-US" dirty="0" smtClean="0"/>
+              <a:rPr lang="en-US" sz="2400" dirty="0" smtClean="0"/>
               <a:t>50</a:t>
             </a:r>
           </a:p>
           <a:p>
             <a:r>
-              <a:rPr lang="en-US" dirty="0" smtClean="0"/>
-              <a:t>Chromosome size</a:t>
+              <a:rPr lang="en-US" sz="2400" dirty="0" smtClean="0"/>
+              <a:t>Elitism size: 3</a:t>
             </a:r>
+            <a:endParaRPr lang="en-US" sz="2400" dirty="0" smtClean="0"/>
+          </a:p>
+          <a:p>
             <a:r>
-              <a:rPr lang="en-US" dirty="0" smtClean="0"/>
-              <a:t>: 25 </a:t>
-            </a:r>
-            <a:r>
-              <a:rPr lang="en-US" dirty="0" smtClean="0"/>
-              <a:t>(1 </a:t>
-            </a:r>
-            <a:r>
-              <a:rPr lang="en-US" dirty="0" smtClean="0"/>
-              <a:t>gene for </a:t>
-            </a:r>
-            <a:r>
-              <a:rPr lang="en-US" dirty="0" smtClean="0"/>
-              <a:t>1 </a:t>
-            </a:r>
-            <a:r>
-              <a:rPr lang="en-US" dirty="0" smtClean="0"/>
-              <a:t>component )</a:t>
+              <a:rPr lang="en-US" sz="2400" dirty="0" smtClean="0"/>
+              <a:t>Chromosome size: 25 (1 gene for 1 component )</a:t>
             </a:r>
           </a:p>
           <a:p>
             <a:r>
-              <a:rPr lang="en-US" dirty="0" smtClean="0"/>
+              <a:rPr lang="en-US" sz="2400" dirty="0" smtClean="0"/>
               <a:t>Crossover Method: </a:t>
             </a:r>
             <a:r>
-              <a:rPr lang="en-US" dirty="0"/>
+              <a:rPr lang="en-US" sz="2400" dirty="0"/>
               <a:t>Tournament </a:t>
             </a:r>
             <a:r>
-              <a:rPr lang="en-US" dirty="0" smtClean="0"/>
-              <a:t> Selection</a:t>
+              <a:rPr lang="en-US" sz="2400" dirty="0" smtClean="0"/>
+              <a:t> </a:t>
+            </a:r>
+            <a:r>
+              <a:rPr lang="en-US" sz="2400" dirty="0" smtClean="0"/>
+              <a:t>Selection</a:t>
             </a:r>
           </a:p>
           <a:p>
             <a:r>
-              <a:rPr lang="en-US" dirty="0" smtClean="0"/>
+              <a:rPr lang="en-US" sz="2400" dirty="0" smtClean="0"/>
+              <a:t>Tournament Size: 10 </a:t>
+            </a:r>
+            <a:r>
+              <a:rPr lang="en-US" sz="2400" dirty="0"/>
+              <a:t>(</a:t>
+            </a:r>
+            <a:r>
+              <a:rPr lang="en-US" sz="2400" dirty="0" smtClean="0"/>
+              <a:t>randomly pick from population)</a:t>
+            </a:r>
+            <a:endParaRPr lang="en-US" sz="2400" dirty="0" smtClean="0"/>
+          </a:p>
+          <a:p>
+            <a:r>
+              <a:rPr lang="en-US" sz="2400" dirty="0" smtClean="0"/>
               <a:t>Crossover Rate: 80%</a:t>
             </a:r>
           </a:p>
           <a:p>
             <a:r>
-              <a:rPr lang="en-US" dirty="0" smtClean="0"/>
-              <a:t>Mutation Rate: 20%</a:t>
+              <a:rPr lang="en-US" sz="2400" dirty="0" smtClean="0"/>
+              <a:t>Mutation Method: Single point mutation</a:t>
+            </a:r>
+          </a:p>
+          <a:p>
+            <a:r>
+              <a:rPr lang="en-US" sz="2400" dirty="0" smtClean="0"/>
+              <a:t>Mutation </a:t>
+            </a:r>
+            <a:r>
+              <a:rPr lang="en-US" sz="2400" dirty="0" smtClean="0"/>
+              <a:t>Rate: 20</a:t>
+            </a:r>
+            <a:r>
+              <a:rPr lang="en-US" sz="2400" dirty="0" smtClean="0"/>
+              <a:t>%</a:t>
             </a:r>
           </a:p>
         </p:txBody>
@@ -17397,26 +17423,14 @@
           <a:p>
             <a:r>
               <a:rPr lang="en-US" dirty="0" smtClean="0"/>
-              <a:t>Select 10 top worst </a:t>
-            </a:r>
-            <a:r>
-              <a:rPr lang="en-US" dirty="0" smtClean="0"/>
-              <a:t>individuals,</a:t>
+              <a:t>Select 10 top worst individuals,</a:t>
             </a:r>
             <a:br>
               <a:rPr lang="en-US" dirty="0" smtClean="0"/>
             </a:br>
             <a:r>
               <a:rPr lang="en-US" dirty="0" smtClean="0"/>
-              <a:t>and </a:t>
-            </a:r>
-            <a:r>
-              <a:rPr lang="en-US" dirty="0" smtClean="0"/>
-              <a:t> </a:t>
-            </a:r>
-            <a:r>
-              <a:rPr lang="en-US" dirty="0" smtClean="0"/>
-              <a:t>regenerate them</a:t>
+              <a:t>and  regenerate them</a:t>
             </a:r>
             <a:endParaRPr lang="en-US" dirty="0"/>
           </a:p>
@@ -22079,7 +22093,6 @@
               <a:rPr lang="en-US" dirty="0" smtClean="0"/>
               <a:t> </a:t>
             </a:r>
-            <a:endParaRPr lang="en-US" dirty="0" smtClean="0"/>
           </a:p>
           <a:p>
             <a:r>
@@ -22967,8 +22980,8 @@
           </p:sp>
         </mc:Fallback>
       </mc:AlternateContent>
-      <mc:AlternateContent xmlns:mc="http://schemas.openxmlformats.org/markup-compatibility/2006">
-        <mc:Choice xmlns:a14="http://schemas.microsoft.com/office/drawing/2010/main" Requires="a14">
+      <mc:AlternateContent xmlns:mc="http://schemas.openxmlformats.org/markup-compatibility/2006" xmlns:a14="http://schemas.microsoft.com/office/drawing/2010/main">
+        <mc:Choice Requires="a14">
           <p:sp>
             <p:nvSpPr>
               <p:cNvPr id="6" name="Rectangle 5"/>
@@ -23461,7 +23474,7 @@
             </p:txBody>
           </p:sp>
         </mc:Choice>
-        <mc:Fallback>
+        <mc:Fallback xmlns="">
           <p:sp>
             <p:nvSpPr>
               <p:cNvPr id="6" name="Rectangle 5"/>
